--- a/bamazon-markup 2.pptx
+++ b/bamazon-markup 2.pptx
@@ -11,6 +11,8 @@
     <p:sldId id="262" r:id="rId5"/>
     <p:sldId id="263" r:id="rId6"/>
     <p:sldId id="264" r:id="rId7"/>
+    <p:sldId id="265" r:id="rId8"/>
+    <p:sldId id="266" r:id="rId9"/>
   </p:sldIdLst>
   <p:sldSz cx="12192000" cy="6858000"/>
   <p:notesSz cx="6858000" cy="9144000"/>
@@ -3439,11 +3441,7 @@
             <a:pPr algn="ctr"/>
             <a:r>
               <a:rPr lang="en-US" sz="1000" dirty="0" smtClean="0"/>
-              <a:t>Prompt  </a:t>
-            </a:r>
-            <a:r>
-              <a:rPr lang="en-US" sz="1000" dirty="0" smtClean="0"/>
-              <a:t>Product/</a:t>
+              <a:t>Prompt  Product/</a:t>
             </a:r>
             <a:r>
               <a:rPr lang="en-US" sz="1000" dirty="0" err="1" smtClean="0"/>
@@ -3451,11 +3449,7 @@
             </a:r>
             <a:r>
               <a:rPr lang="en-US" sz="1000" dirty="0" smtClean="0"/>
-              <a:t> </a:t>
-            </a:r>
-            <a:r>
-              <a:rPr lang="en-US" sz="1000" dirty="0" smtClean="0"/>
-              <a:t>to Cart</a:t>
+              <a:t> to Cart</a:t>
             </a:r>
             <a:endParaRPr lang="en-US" sz="1000" dirty="0"/>
           </a:p>
@@ -4467,7 +4461,6 @@
               <a:rPr lang="en-US" sz="1000" b="1" dirty="0"/>
               <a:t>N</a:t>
             </a:r>
-            <a:endParaRPr lang="en-US" sz="1000" b="1" dirty="0"/>
           </a:p>
         </p:txBody>
       </p:sp>
@@ -4529,7 +4522,6 @@
               <a:rPr lang="en-US" sz="1000" b="1" dirty="0"/>
               <a:t>N</a:t>
             </a:r>
-            <a:endParaRPr lang="en-US" sz="1000" b="1" dirty="0"/>
           </a:p>
         </p:txBody>
       </p:sp>
@@ -5879,7 +5871,6 @@
               <a:rPr lang="en-US" sz="1200" dirty="0"/>
               <a:t>3</a:t>
             </a:r>
-            <a:endParaRPr lang="en-US" sz="1200" dirty="0"/>
           </a:p>
         </p:txBody>
       </p:sp>
@@ -5923,7 +5914,6 @@
               <a:rPr lang="en-US" sz="1200" dirty="0"/>
               <a:t>3</a:t>
             </a:r>
-            <a:endParaRPr lang="en-US" sz="1200" dirty="0"/>
           </a:p>
         </p:txBody>
       </p:sp>
@@ -6051,7 +6041,6 @@
               <a:rPr lang="en-US" sz="1000" b="1" dirty="0"/>
               <a:t>N</a:t>
             </a:r>
-            <a:endParaRPr lang="en-US" sz="1000" b="1" dirty="0"/>
           </a:p>
         </p:txBody>
       </p:sp>
@@ -7308,6 +7297,164 @@
       </p:par>
     </p:tnLst>
   </p:timing>
+</p:sld>
+</file>
+
+<file path=ppt/slides/slide7.xml><?xml version="1.0" encoding="utf-8"?>
+<p:sld xmlns:a="http://schemas.openxmlformats.org/drawingml/2006/main" xmlns:r="http://schemas.openxmlformats.org/officeDocument/2006/relationships" xmlns:p="http://schemas.openxmlformats.org/presentationml/2006/main">
+  <p:cSld>
+    <p:spTree>
+      <p:nvGrpSpPr>
+        <p:cNvPr id="1" name=""/>
+        <p:cNvGrpSpPr/>
+        <p:nvPr/>
+      </p:nvGrpSpPr>
+      <p:grpSpPr>
+        <a:xfrm>
+          <a:off x="0" y="0"/>
+          <a:ext cx="0" cy="0"/>
+          <a:chOff x="0" y="0"/>
+          <a:chExt cx="0" cy="0"/>
+        </a:xfrm>
+      </p:grpSpPr>
+      <p:sp>
+        <p:nvSpPr>
+          <p:cNvPr id="2" name="Title 1"/>
+          <p:cNvSpPr>
+            <a:spLocks noGrp="1"/>
+          </p:cNvSpPr>
+          <p:nvPr>
+            <p:ph type="title"/>
+          </p:nvPr>
+        </p:nvSpPr>
+        <p:spPr/>
+        <p:txBody>
+          <a:bodyPr/>
+          <a:lstStyle/>
+          <a:p>
+            <a:r>
+              <a:rPr lang="en-US" dirty="0" smtClean="0"/>
+              <a:t>View Shopping Cart</a:t>
+            </a:r>
+            <a:endParaRPr lang="en-US" dirty="0"/>
+          </a:p>
+        </p:txBody>
+      </p:sp>
+      <p:pic>
+        <p:nvPicPr>
+          <p:cNvPr id="5" name="Content Placeholder 4"/>
+          <p:cNvPicPr>
+            <a:picLocks noGrp="1" noChangeAspect="1"/>
+          </p:cNvPicPr>
+          <p:nvPr>
+            <p:ph sz="half" idx="1"/>
+          </p:nvPr>
+        </p:nvPicPr>
+        <p:blipFill>
+          <a:blip r:embed="rId2"/>
+          <a:stretch>
+            <a:fillRect/>
+          </a:stretch>
+        </p:blipFill>
+        <p:spPr>
+          <a:xfrm>
+            <a:off x="914399" y="1878045"/>
+            <a:ext cx="8572479" cy="3164217"/>
+          </a:xfrm>
+          <a:prstGeom prst="rect">
+            <a:avLst/>
+          </a:prstGeom>
+        </p:spPr>
+      </p:pic>
+    </p:spTree>
+    <p:extLst>
+      <p:ext uri="{BB962C8B-B14F-4D97-AF65-F5344CB8AC3E}">
+        <p14:creationId xmlns:p14="http://schemas.microsoft.com/office/powerpoint/2010/main" val="2181033637"/>
+      </p:ext>
+    </p:extLst>
+  </p:cSld>
+  <p:clrMapOvr>
+    <a:masterClrMapping/>
+  </p:clrMapOvr>
+</p:sld>
+</file>
+
+<file path=ppt/slides/slide8.xml><?xml version="1.0" encoding="utf-8"?>
+<p:sld xmlns:a="http://schemas.openxmlformats.org/drawingml/2006/main" xmlns:r="http://schemas.openxmlformats.org/officeDocument/2006/relationships" xmlns:p="http://schemas.openxmlformats.org/presentationml/2006/main">
+  <p:cSld>
+    <p:spTree>
+      <p:nvGrpSpPr>
+        <p:cNvPr id="1" name=""/>
+        <p:cNvGrpSpPr/>
+        <p:nvPr/>
+      </p:nvGrpSpPr>
+      <p:grpSpPr>
+        <a:xfrm>
+          <a:off x="0" y="0"/>
+          <a:ext cx="0" cy="0"/>
+          <a:chOff x="0" y="0"/>
+          <a:chExt cx="0" cy="0"/>
+        </a:xfrm>
+      </p:grpSpPr>
+      <p:sp>
+        <p:nvSpPr>
+          <p:cNvPr id="5" name="Title 4"/>
+          <p:cNvSpPr>
+            <a:spLocks noGrp="1"/>
+          </p:cNvSpPr>
+          <p:nvPr>
+            <p:ph type="title"/>
+          </p:nvPr>
+        </p:nvSpPr>
+        <p:spPr/>
+        <p:txBody>
+          <a:bodyPr/>
+          <a:lstStyle/>
+          <a:p>
+            <a:r>
+              <a:rPr lang="en-US" dirty="0" smtClean="0"/>
+              <a:t>Checkout with Print Receipt</a:t>
+            </a:r>
+            <a:endParaRPr lang="en-US" dirty="0"/>
+          </a:p>
+        </p:txBody>
+      </p:sp>
+      <p:pic>
+        <p:nvPicPr>
+          <p:cNvPr id="7" name="Content Placeholder 6"/>
+          <p:cNvPicPr>
+            <a:picLocks noGrp="1" noChangeAspect="1"/>
+          </p:cNvPicPr>
+          <p:nvPr>
+            <p:ph idx="1"/>
+          </p:nvPr>
+        </p:nvPicPr>
+        <p:blipFill>
+          <a:blip r:embed="rId2"/>
+          <a:stretch>
+            <a:fillRect/>
+          </a:stretch>
+        </p:blipFill>
+        <p:spPr>
+          <a:xfrm>
+            <a:off x="1174603" y="1825625"/>
+            <a:ext cx="9842794" cy="4351338"/>
+          </a:xfrm>
+          <a:prstGeom prst="rect">
+            <a:avLst/>
+          </a:prstGeom>
+        </p:spPr>
+      </p:pic>
+    </p:spTree>
+    <p:extLst>
+      <p:ext uri="{BB962C8B-B14F-4D97-AF65-F5344CB8AC3E}">
+        <p14:creationId xmlns:p14="http://schemas.microsoft.com/office/powerpoint/2010/main" val="50081008"/>
+      </p:ext>
+    </p:extLst>
+  </p:cSld>
+  <p:clrMapOvr>
+    <a:masterClrMapping/>
+  </p:clrMapOvr>
 </p:sld>
 </file>
 
